--- a/백준 슬라이드.pptx
+++ b/백준 슬라이드.pptx
@@ -2,7 +2,7 @@
 <file path=ppt/presentation.xml><?xml version="1.0" encoding="utf-8"?>
 <p:presentation xmlns:a="http://schemas.openxmlformats.org/drawingml/2006/main" xmlns:r="http://schemas.openxmlformats.org/officeDocument/2006/relationships" xmlns:p="http://schemas.openxmlformats.org/presentationml/2006/main" xmlns:p14="http://schemas.microsoft.com/office/powerpoint/2010/main" saveSubsetFonts="1">
   <p:sldMasterIdLst>
-    <p:sldMasterId id="2147483922" r:id="rId13"/>
+    <p:sldMasterId id="2147483926" r:id="rId13"/>
   </p:sldMasterIdLst>
   <p:notesMasterIdLst>
     <p:notesMasterId r:id="rId17"/>
@@ -12,13 +12,13 @@
   </p:handoutMasterIdLst>
   <p:sldIdLst>
     <p:sldId id="256" r:id="rId19"/>
-    <p:sldId id="257" r:id="rId20"/>
-    <p:sldId id="258" r:id="rId21"/>
-    <p:sldId id="259" r:id="rId22"/>
-    <p:sldId id="260" r:id="rId23"/>
-    <p:sldId id="263" r:id="rId24"/>
-    <p:sldId id="261" r:id="rId25"/>
-    <p:sldId id="262" r:id="rId26"/>
+    <p:sldId id="257" r:id="rId21"/>
+    <p:sldId id="258" r:id="rId22"/>
+    <p:sldId id="259" r:id="rId23"/>
+    <p:sldId id="260" r:id="rId24"/>
+    <p:sldId id="263" r:id="rId25"/>
+    <p:sldId id="261" r:id="rId26"/>
+    <p:sldId id="262" r:id="rId27"/>
   </p:sldIdLst>
   <p:sldSz cx="12192000" cy="6858000"/>
   <p:notesSz cx="6858000" cy="9144000"/>
@@ -6030,7 +6030,7 @@
         <p:spPr>
           <a:xfrm>
             <a:off x="883285" y="844550"/>
-            <a:ext cx="10516870" cy="5412740"/>
+            <a:ext cx="10517505" cy="5413375"/>
           </a:xfrm>
           <a:prstGeom prst="rect"/>
         </p:spPr>
@@ -6049,35 +6049,7 @@
                 <a:latin typeface="나눔바른펜" charset="0"/>
                 <a:ea typeface="나눔바른펜" charset="0"/>
               </a:rPr>
-              <a:t> </a:t>
-            </a:r>
-            <a:r>
-              <a:rPr lang="ko-KR" altLang="en-US" sz="2400">
-                <a:latin typeface="나눔바른펜" charset="0"/>
-                <a:ea typeface="나눔바른펜" charset="0"/>
-              </a:rPr>
-              <a:t>깊은 </a:t>
-            </a:r>
-            <a:r>
-              <a:rPr lang="ko-KR" altLang="en-US" sz="2400">
-                <a:latin typeface="나눔바른펜" charset="0"/>
-                <a:ea typeface="나눔바른펜" charset="0"/>
-              </a:rPr>
-              <a:t>고민은 알고리즘에 익숙하고, 구조가 눈에 보이</a:t>
-            </a:r>
-            <a:r>
-              <a:rPr lang="ko-KR" altLang="en-US" sz="2400">
-                <a:latin typeface="나눔바른펜" charset="0"/>
-                <a:ea typeface="나눔바른펜" charset="0"/>
-              </a:rPr>
-              <a:t>기 시작</a:t>
-            </a:r>
-            <a:r>
-              <a:rPr lang="ko-KR" altLang="en-US" sz="2400">
-                <a:latin typeface="나눔바른펜" charset="0"/>
-                <a:ea typeface="나눔바른펜" charset="0"/>
-              </a:rPr>
-              <a:t> 할 때 부터 하면 된다고 생각합니다. </a:t>
+              <a:t> 깊은 고민은 알고리즘에 익숙하고, 구조가 눈에 보이기 시작 할 때 부터 하면 된다고 생각합니다. </a:t>
             </a:r>
             <a:endParaRPr lang="ko-KR" altLang="en-US" sz="2400">
               <a:latin typeface="나눔바른펜" charset="0"/>
@@ -6087,28 +6059,14 @@
           <a:p>
             <a:pPr marL="254000" indent="-254000" latinLnBrk="0">
               <a:buFont typeface="Wingdings"/>
-              <a:buChar char=""/>
+              <a:buChar char="•"/>
             </a:pPr>
             <a:r>
               <a:rPr lang="ko-KR" altLang="en-US" sz="2400">
                 <a:latin typeface="나눔바른펜" charset="0"/>
                 <a:ea typeface="나눔바른펜" charset="0"/>
               </a:rPr>
-              <a:t> 그 전에는 그냥 마음 놓고, 모르겠다 싶으면 구글링구글링구글링 하면서 감잡고, c++이라면 STL 사용법 익히고</a:t>
-            </a:r>
-            <a:r>
-              <a:rPr lang="ko-KR" altLang="en-US" sz="2400">
-                <a:latin typeface="나눔바른펜" charset="0"/>
-                <a:ea typeface="나눔바른펜" charset="0"/>
-              </a:rPr>
-              <a:t>!</a:t>
-            </a:r>
-            <a:r>
-              <a:rPr lang="ko-KR" altLang="en-US" sz="2400">
-                <a:latin typeface="나눔바른펜" charset="0"/>
-                <a:ea typeface="나눔바른펜" charset="0"/>
-              </a:rPr>
-              <a:t> (외우는게 아니라 여러번 하면서 익히면 되는게, 어차피 사용법 까먹으면 구글링 하면 됨) </a:t>
+              <a:t> 그 전에는 그냥 마음 놓고, 모르겠다 싶으면 구글링구글링구글링 하면서 감잡고, c++이라면 STL 사용법 익히고! (외우는게 아니라 여러번 하면서 익히면 되는게, 어차피 사용법 까먹으면 구글링 하면 됨) </a:t>
             </a:r>
             <a:endParaRPr lang="ko-KR" altLang="en-US" sz="2400">
               <a:latin typeface="나눔바른펜" charset="0"/>
@@ -6125,21 +6083,21 @@
                 <a:latin typeface="나눔바른펜" charset="0"/>
                 <a:ea typeface="나눔바른펜" charset="0"/>
               </a:rPr>
-              <a:t>저는 이런 방법으로 공부 중이고, 절대 잘하는 편은 아니지만, 골드</a:t>
+              <a:t>저는 이런 방법으로 공부 중이고, 절대 잘하는 편은 아니지만, </a:t>
             </a:r>
             <a:r>
               <a:rPr lang="ko-KR" altLang="en-US" sz="2400">
                 <a:latin typeface="나눔바른펜" charset="0"/>
                 <a:ea typeface="나눔바른펜" charset="0"/>
               </a:rPr>
-              <a:t> 문제들까지는</a:t>
+              <a:t>기초적인 골드 문제들</a:t>
             </a:r>
             <a:r>
               <a:rPr lang="ko-KR" altLang="en-US" sz="2400">
                 <a:latin typeface="나눔바른펜" charset="0"/>
                 <a:ea typeface="나눔바른펜" charset="0"/>
               </a:rPr>
-              <a:t> 쉽게 풀 수 있습니다. 제가 할 수 있다는 것은 여러분도 할 수 있다는 뜻입니다. </a:t>
+              <a:t>까지는 쉽게 풀 수 있습니다. 제가 할 수 있다는 것은 여러분도 할 수 있다는 뜻입니다. </a:t>
             </a:r>
             <a:endParaRPr lang="ko-KR" altLang="en-US" sz="2400">
               <a:latin typeface="나눔바른펜" charset="0"/>
@@ -6290,7 +6248,7 @@
         <p:spPr>
           <a:xfrm>
             <a:off x="871855" y="718185"/>
-            <a:ext cx="10516870" cy="5403850"/>
+            <a:ext cx="10517505" cy="5404485"/>
           </a:xfrm>
           <a:prstGeom prst="rect"/>
         </p:spPr>
@@ -6300,8 +6258,8 @@
           </a:bodyPr>
           <a:lstStyle/>
           <a:p>
-            <a:pPr marL="228600" indent="-228600" latinLnBrk="0">
-              <a:buFont typeface="Arial"/>
+            <a:pPr marL="254000" indent="-254000" latinLnBrk="0">
+              <a:buFont typeface="Wingdings"/>
               <a:buChar char=""/>
             </a:pPr>
             <a:r>
@@ -6319,7 +6277,7 @@
           <a:p>
             <a:pPr marL="228600" indent="-228600" latinLnBrk="0">
               <a:buFont typeface="Arial"/>
-              <a:buChar char="•"/>
+              <a:buChar char=""/>
             </a:pPr>
             <a:r>
               <a:rPr lang="ko-KR" altLang="en-US">
@@ -6407,21 +6365,7 @@
                 <a:latin typeface="나눔바른펜" charset="0"/>
                 <a:ea typeface="나눔바른펜" charset="0"/>
               </a:rPr>
-              <a:t>기본은 책으로 쌓은 뒤 (좋은 책들이 많습니다만</a:t>
-            </a:r>
-            <a:r>
-              <a:rPr lang="ko-KR" altLang="en-US">
-                <a:latin typeface="나눔바른펜" charset="0"/>
-                <a:ea typeface="나눔바른펜" charset="0"/>
-              </a:rPr>
-              <a:t>,</a:t>
-            </a:r>
-            <a:r>
-              <a:rPr lang="ko-KR" altLang="en-US">
-                <a:latin typeface="나눔바른펜" charset="0"/>
-                <a:ea typeface="나눔바른펜" charset="0"/>
-              </a:rPr>
-              <a:t> 종만북이라는 책을 추천드립니다)</a:t>
+              <a:t>기본은 책으로 쌓은 뒤 (좋은 책들이 많습니다만, 종만북이라는 책을 추천드립니다)</a:t>
             </a:r>
             <a:endParaRPr lang="ko-KR" altLang="en-US">
               <a:latin typeface="나눔바른펜" charset="0"/>
@@ -6438,21 +6382,14 @@
                 <a:latin typeface="나눔바른펜" charset="0"/>
                 <a:ea typeface="나눔바른펜" charset="0"/>
               </a:rPr>
-              <a:t>                //</a:t>
+              <a:t>                // 사실 대회용으로 만들어진 책이라 </a:t>
             </a:r>
             <a:r>
               <a:rPr lang="ko-KR" altLang="en-US">
                 <a:latin typeface="나눔바른펜" charset="0"/>
                 <a:ea typeface="나눔바른펜" charset="0"/>
               </a:rPr>
-              <a:t> </a:t>
-            </a:r>
-            <a:r>
-              <a:rPr lang="ko-KR" altLang="en-US">
-                <a:latin typeface="나눔바른펜" charset="0"/>
-                <a:ea typeface="나눔바른펜" charset="0"/>
-              </a:rPr>
-              <a:t>사실 대회용으로 만들어진 책이라 쓸데없이 양이 많습니다만 </a:t>
+              <a:t>양도 많고 내용도 어렵지만</a:t>
             </a:r>
             <a:endParaRPr lang="ko-KR" altLang="en-US">
               <a:latin typeface="나눔바른펜" charset="0"/>
@@ -6469,21 +6406,7 @@
                 <a:latin typeface="나눔바른펜" charset="0"/>
                 <a:ea typeface="나눔바른펜" charset="0"/>
               </a:rPr>
-              <a:t>                //</a:t>
-            </a:r>
-            <a:r>
-              <a:rPr lang="ko-KR" altLang="en-US">
-                <a:latin typeface="나눔바른펜" charset="0"/>
-                <a:ea typeface="나눔바른펜" charset="0"/>
-              </a:rPr>
-              <a:t> </a:t>
-            </a:r>
-            <a:r>
-              <a:rPr lang="ko-KR" altLang="en-US">
-                <a:latin typeface="나눔바른펜" charset="0"/>
-                <a:ea typeface="나눔바른펜" charset="0"/>
-              </a:rPr>
-              <a:t>그런 이유로 보지 않기에는 너무 내용이 좋습니다. </a:t>
+              <a:t>                // 그런 이유로 보지 않기에는 너무 내용이 좋습니다. </a:t>
             </a:r>
             <a:endParaRPr lang="ko-KR" altLang="en-US">
               <a:latin typeface="나눔바른펜" charset="0"/>
@@ -6543,7 +6466,21 @@
                 <a:latin typeface="나눔바른펜" charset="0"/>
                 <a:ea typeface="나눔바른펜" charset="0"/>
               </a:rPr>
-              <a:t>부가적인 것들을 구글링 + 문제 풀면서 + 다른 사람들 코드 보면서 채워보자!</a:t>
+              <a:t>부가적인 것들</a:t>
+            </a:r>
+            <a:r>
+              <a:rPr lang="ko-KR" altLang="en-US">
+                <a:latin typeface="나눔바른펜" charset="0"/>
+                <a:ea typeface="나눔바른펜" charset="0"/>
+              </a:rPr>
+              <a:t>은</a:t>
+            </a:r>
+            <a:r>
+              <a:rPr lang="ko-KR" altLang="en-US">
+                <a:latin typeface="나눔바른펜" charset="0"/>
+                <a:ea typeface="나눔바른펜" charset="0"/>
+              </a:rPr>
+              <a:t> 구글링 + 문제 풀면서 + 다른 사람들 코드 보면서 채워보자!</a:t>
             </a:r>
             <a:endParaRPr lang="ko-KR" altLang="en-US">
               <a:latin typeface="나눔바른펜" charset="0"/>
@@ -6597,6 +6534,35 @@
           </a:p>
         </p:txBody>
       </p:sp>
+      <p:pic>
+        <p:nvPicPr>
+          <p:cNvPr id="5" name="그림 1" descr="C:/Users/jangsung park/AppData/Roaming/PolarisOffice/ETemp/6972_23190040/fImage48761617443.png"/>
+          <p:cNvPicPr>
+            <a:picLocks noChangeAspect="1"/>
+          </p:cNvPicPr>
+          <p:nvPr/>
+        </p:nvPicPr>
+        <p:blipFill rotWithShape="1">
+          <a:blip r:embed="rId1" cstate="print">
+            <a:extLst>
+              <a:ext uri="{28A0092B-C50C-407E-A947-70E740481C1C}">
+                <a14:useLocalDpi xmlns:a14="http://schemas.microsoft.com/office/drawing/2010/main" val="0"/>
+              </a:ext>
+            </a:extLst>
+          </a:blip>
+          <a:stretch>
+            <a:fillRect/>
+          </a:stretch>
+        </p:blipFill>
+        <p:spPr>
+          <a:xfrm rot="0">
+            <a:off x="8522970" y="2933065"/>
+            <a:ext cx="1697355" cy="2160270"/>
+          </a:xfrm>
+          <a:prstGeom prst="rect"/>
+          <a:noFill/>
+        </p:spPr>
+      </p:pic>
     </p:spTree>
   </p:cSld>
   <p:clrMapOvr>
